--- a/Slides/090518.pptx
+++ b/Slides/090518.pptx
@@ -26281,8 +26281,8 @@
         </p:nvSpPr>
         <p:spPr bwMode="auto">
           <a:xfrm>
-            <a:off x="2527300" y="5637213"/>
-            <a:ext cx="3100388" cy="995362"/>
+            <a:off x="2527300" y="5867996"/>
+            <a:ext cx="3100388" cy="533796"/>
           </a:xfrm>
           <a:prstGeom prst="rect">
             <a:avLst/>
@@ -26428,44 +26428,14 @@
           <a:p>
             <a:pPr eaLnBrk="1" hangingPunct="1"/>
             <a:r>
-              <a:rPr lang="en-US" altLang="x-none" sz="3000" b="0">
+              <a:rPr lang="en-US" altLang="x-none" sz="3000" b="0" dirty="0">
                 <a:solidFill>
                   <a:srgbClr val="0000FF"/>
                 </a:solidFill>
                 <a:latin typeface="Arial" charset="0"/>
                 <a:sym typeface="Calibri" charset="0"/>
               </a:rPr>
-              <a:t>World of </a:t>
-            </a:r>
-            <a:r>
-              <a:rPr lang="en-US" altLang="x-none" sz="3000" b="0" dirty="0" err="1">
-                <a:solidFill>
-                  <a:srgbClr val="0000FF"/>
-                </a:solidFill>
-                <a:latin typeface="Arial" charset="0"/>
-                <a:sym typeface="Calibri" charset="0"/>
-              </a:rPr>
-              <a:t>W</a:t>
-            </a:r>
-            <a:r>
-              <a:rPr lang="en-US" altLang="x-none" sz="3000" b="0">
-                <a:solidFill>
-                  <a:srgbClr val="0000FF"/>
-                </a:solidFill>
-                <a:latin typeface="Arial" charset="0"/>
-                <a:sym typeface="Calibri" charset="0"/>
-              </a:rPr>
-              <a:t>arcraft </a:t>
-            </a:r>
-            <a:r>
-              <a:rPr lang="en-US" altLang="x-none" sz="3000" b="0" dirty="0">
-                <a:solidFill>
-                  <a:srgbClr val="0000FF"/>
-                </a:solidFill>
-                <a:latin typeface="Arial" charset="0"/>
-                <a:sym typeface="Calibri" charset="0"/>
-              </a:rPr>
-              <a:t>client</a:t>
+              <a:t>Fortnite client</a:t>
             </a:r>
           </a:p>
         </p:txBody>
@@ -26480,8 +26450,8 @@
         </p:nvSpPr>
         <p:spPr bwMode="auto">
           <a:xfrm>
-            <a:off x="4114800" y="1443038"/>
-            <a:ext cx="2822575" cy="995362"/>
+            <a:off x="4114800" y="1673821"/>
+            <a:ext cx="2822575" cy="533796"/>
           </a:xfrm>
           <a:prstGeom prst="rect">
             <a:avLst/>
@@ -26634,7 +26604,7 @@
                 <a:latin typeface="Arial" charset="0"/>
                 <a:sym typeface="Calibri" charset="0"/>
               </a:rPr>
-              <a:t>World of Warcraft server</a:t>
+              <a:t>Fortnite server</a:t>
             </a:r>
           </a:p>
         </p:txBody>
@@ -34676,6 +34646,30 @@
               </a:solidFill>
             </a:endParaRPr>
           </a:p>
+          <a:p>
+            <a:r>
+              <a:rPr lang="en-US" dirty="0">
+                <a:solidFill>
+                  <a:srgbClr val="0000FF"/>
+                </a:solidFill>
+              </a:rPr>
+              <a:t>No office hours or discussions this week</a:t>
+            </a:r>
+          </a:p>
+          <a:p>
+            <a:endParaRPr lang="en-US" dirty="0">
+              <a:solidFill>
+                <a:srgbClr val="0000FF"/>
+              </a:solidFill>
+            </a:endParaRPr>
+          </a:p>
+          <a:p>
+            <a:endParaRPr lang="en-US" dirty="0">
+              <a:solidFill>
+                <a:srgbClr val="0000FF"/>
+              </a:solidFill>
+            </a:endParaRPr>
+          </a:p>
         </p:txBody>
       </p:sp>
       <p:pic>
@@ -37488,6 +37482,23 @@
                 </a:solidFill>
               </a:rPr>
               <a:t>Office hours: See course webpage</a:t>
+            </a:r>
+          </a:p>
+          <a:p>
+            <a:endParaRPr lang="en-US" dirty="0">
+              <a:solidFill>
+                <a:srgbClr val="0000FF"/>
+              </a:solidFill>
+            </a:endParaRPr>
+          </a:p>
+          <a:p>
+            <a:r>
+              <a:rPr lang="en-US" dirty="0">
+                <a:solidFill>
+                  <a:srgbClr val="0000FF"/>
+                </a:solidFill>
+              </a:rPr>
+              <a:t>No office hours or discussions this week</a:t>
             </a:r>
           </a:p>
           <a:p>
